--- a/ALERT.360.pptx
+++ b/ALERT.360.pptx
@@ -5,15 +5,17 @@
     <p:sldMasterId id="2147483720" r:id="rId1"/>
   </p:sldMasterIdLst>
   <p:notesMasterIdLst>
-    <p:notesMasterId r:id="rId8"/>
+    <p:notesMasterId r:id="rId10"/>
   </p:notesMasterIdLst>
   <p:sldIdLst>
-    <p:sldId id="256" r:id="rId2"/>
-    <p:sldId id="257" r:id="rId3"/>
-    <p:sldId id="258" r:id="rId4"/>
-    <p:sldId id="259" r:id="rId5"/>
-    <p:sldId id="260" r:id="rId6"/>
-    <p:sldId id="261" r:id="rId7"/>
+    <p:sldId id="264" r:id="rId2"/>
+    <p:sldId id="259" r:id="rId3"/>
+    <p:sldId id="256" r:id="rId4"/>
+    <p:sldId id="257" r:id="rId5"/>
+    <p:sldId id="262" r:id="rId6"/>
+    <p:sldId id="258" r:id="rId7"/>
+    <p:sldId id="260" r:id="rId8"/>
+    <p:sldId id="263" r:id="rId9"/>
   </p:sldIdLst>
   <p:sldSz cx="9144000" cy="6858000" type="screen4x3"/>
   <p:notesSz cx="6858000" cy="9144000"/>
@@ -117,12 +119,14 @@
       <p14:sectionLst xmlns:p14="http://schemas.microsoft.com/office/powerpoint/2010/main">
         <p14:section name="Untitled Section" id="{2C4E293C-77AD-499C-B779-68C33826D0A0}">
           <p14:sldIdLst>
+            <p14:sldId id="264"/>
+            <p14:sldId id="259"/>
             <p14:sldId id="256"/>
             <p14:sldId id="257"/>
+            <p14:sldId id="262"/>
             <p14:sldId id="258"/>
-            <p14:sldId id="259"/>
             <p14:sldId id="260"/>
-            <p14:sldId id="261"/>
+            <p14:sldId id="263"/>
           </p14:sldIdLst>
         </p14:section>
       </p14:sectionLst>
@@ -560,7 +564,105 @@
           <a:p>
             <a:fld id="{9DD013C4-41C9-434E-B6E4-A624553AC812}" type="slidenum">
               <a:rPr lang="en-US" smtClean="0"/>
-              <a:t>1</a:t>
+              <a:t>3</a:t>
+            </a:fld>
+            <a:endParaRPr lang="en-US"/>
+          </a:p>
+        </p:txBody>
+      </p:sp>
+    </p:spTree>
+    <p:extLst>
+      <p:ext uri="{BB962C8B-B14F-4D97-AF65-F5344CB8AC3E}">
+        <p14:creationId xmlns:p14="http://schemas.microsoft.com/office/powerpoint/2010/main" val="22768732"/>
+      </p:ext>
+    </p:extLst>
+  </p:cSld>
+  <p:clrMapOvr>
+    <a:masterClrMapping/>
+  </p:clrMapOvr>
+</p:notes>
+</file>
+
+<file path=ppt/notesSlides/notesSlide2.xml><?xml version="1.0" encoding="utf-8"?>
+<p:notes xmlns:a="http://schemas.openxmlformats.org/drawingml/2006/main" xmlns:r="http://schemas.openxmlformats.org/officeDocument/2006/relationships" xmlns:p="http://schemas.openxmlformats.org/presentationml/2006/main">
+  <p:cSld>
+    <p:spTree>
+      <p:nvGrpSpPr>
+        <p:cNvPr id="1" name=""/>
+        <p:cNvGrpSpPr/>
+        <p:nvPr/>
+      </p:nvGrpSpPr>
+      <p:grpSpPr>
+        <a:xfrm>
+          <a:off x="0" y="0"/>
+          <a:ext cx="0" cy="0"/>
+          <a:chOff x="0" y="0"/>
+          <a:chExt cx="0" cy="0"/>
+        </a:xfrm>
+      </p:grpSpPr>
+      <p:sp>
+        <p:nvSpPr>
+          <p:cNvPr id="2" name="Slide Image Placeholder 1"/>
+          <p:cNvSpPr>
+            <a:spLocks noGrp="1" noRot="1" noChangeAspect="1"/>
+          </p:cNvSpPr>
+          <p:nvPr>
+            <p:ph type="sldImg"/>
+          </p:nvPr>
+        </p:nvSpPr>
+        <p:spPr/>
+      </p:sp>
+      <p:sp>
+        <p:nvSpPr>
+          <p:cNvPr id="3" name="Notes Placeholder 2"/>
+          <p:cNvSpPr>
+            <a:spLocks noGrp="1"/>
+          </p:cNvSpPr>
+          <p:nvPr>
+            <p:ph type="body" idx="1"/>
+          </p:nvPr>
+        </p:nvSpPr>
+        <p:spPr/>
+        <p:txBody>
+          <a:bodyPr/>
+          <a:lstStyle/>
+          <a:p>
+            <a:r>
+              <a:rPr lang="en-US" dirty="0" err="1" smtClean="0"/>
+              <a:t>Ss</a:t>
+            </a:r>
+            <a:r>
+              <a:rPr lang="en-US" dirty="0" smtClean="0"/>
+              <a:t> of app </a:t>
+            </a:r>
+          </a:p>
+          <a:p>
+            <a:r>
+              <a:rPr lang="en-US" dirty="0" smtClean="0"/>
+              <a:t>logo</a:t>
+            </a:r>
+            <a:endParaRPr lang="en-US" dirty="0"/>
+          </a:p>
+        </p:txBody>
+      </p:sp>
+      <p:sp>
+        <p:nvSpPr>
+          <p:cNvPr id="4" name="Slide Number Placeholder 3"/>
+          <p:cNvSpPr>
+            <a:spLocks noGrp="1"/>
+          </p:cNvSpPr>
+          <p:nvPr>
+            <p:ph type="sldNum" sz="quarter" idx="10"/>
+          </p:nvPr>
+        </p:nvSpPr>
+        <p:spPr/>
+        <p:txBody>
+          <a:bodyPr/>
+          <a:lstStyle/>
+          <a:p>
+            <a:fld id="{9DD013C4-41C9-434E-B6E4-A624553AC812}" type="slidenum">
+              <a:rPr lang="en-US" smtClean="0"/>
+              <a:t>8</a:t>
             </a:fld>
             <a:endParaRPr lang="en-US"/>
           </a:p>
@@ -3834,23 +3936,26 @@
   <p:cSld>
     <p:bg>
       <p:bgPr>
-        <a:gradFill flip="none" rotWithShape="1">
+        <a:gradFill rotWithShape="1">
           <a:gsLst>
             <a:gs pos="0">
+              <a:srgbClr val="FF0000">
+                <a:lumMod val="34000"/>
+                <a:lumOff val="66000"/>
+              </a:srgbClr>
+            </a:gs>
+            <a:gs pos="40000">
               <a:schemeClr val="bg2">
-                <a:tint val="85000"/>
-                <a:satMod val="180000"/>
+                <a:tint val="95000"/>
+                <a:shade val="85000"/>
+                <a:satMod val="150000"/>
               </a:schemeClr>
             </a:gs>
-            <a:gs pos="17000">
-              <a:schemeClr val="bg2"/>
-            </a:gs>
             <a:gs pos="100000">
-              <a:srgbClr val="FF0000"/>
+              <a:schemeClr val="bg1"/>
             </a:gs>
           </a:gsLst>
-          <a:lin ang="16200000" scaled="1"/>
-          <a:tileRect/>
+          <a:lin ang="5400000" scaled="0"/>
         </a:gradFill>
         <a:effectLst/>
       </p:bgPr>
@@ -3871,238 +3976,23 @@
       </p:grpSpPr>
       <p:sp>
         <p:nvSpPr>
-          <p:cNvPr id="2" name="Title 1"/>
-          <p:cNvSpPr>
-            <a:spLocks noGrp="1"/>
-          </p:cNvSpPr>
-          <p:nvPr>
-            <p:ph type="ctrTitle"/>
-          </p:nvPr>
-        </p:nvSpPr>
-        <p:spPr/>
-        <p:txBody>
-          <a:bodyPr/>
-          <a:lstStyle/>
-          <a:p>
-            <a:pPr algn="ctr"/>
-            <a:r>
-              <a:rPr lang="en-US" b="1" dirty="0" smtClean="0">
-                <a:ln>
-                  <a:solidFill>
-                    <a:schemeClr val="bg1"/>
-                  </a:solidFill>
-                </a:ln>
-                <a:solidFill>
-                  <a:srgbClr val="FF0000"/>
-                </a:solidFill>
-              </a:rPr>
-              <a:t>Alert360</a:t>
-            </a:r>
-            <a:endParaRPr lang="en-US" b="1" dirty="0">
-              <a:ln>
-                <a:solidFill>
-                  <a:schemeClr val="bg1"/>
-                </a:solidFill>
-              </a:ln>
-              <a:solidFill>
-                <a:srgbClr val="FF0000"/>
-              </a:solidFill>
-            </a:endParaRPr>
-          </a:p>
-        </p:txBody>
-      </p:sp>
-      <p:sp>
-        <p:nvSpPr>
-          <p:cNvPr id="3" name="Subtitle 2"/>
-          <p:cNvSpPr>
-            <a:spLocks noGrp="1"/>
-          </p:cNvSpPr>
-          <p:nvPr>
-            <p:ph type="subTitle" idx="1"/>
-          </p:nvPr>
+          <p:cNvPr id="4" name="Rectangle 3"/>
+          <p:cNvSpPr/>
+          <p:nvPr/>
         </p:nvSpPr>
         <p:spPr>
           <a:xfrm>
-            <a:off x="685800" y="3733800"/>
-            <a:ext cx="7848600" cy="1905000"/>
+            <a:off x="0" y="0"/>
+            <a:ext cx="9144000" cy="6858000"/>
           </a:xfrm>
-        </p:spPr>
-        <p:txBody>
-          <a:bodyPr>
-            <a:noAutofit/>
-          </a:bodyPr>
-          <a:lstStyle/>
-          <a:p>
-            <a:pPr algn="ctr"/>
-            <a:r>
-              <a:rPr lang="en-US" sz="2000" dirty="0" smtClean="0">
-                <a:solidFill>
-                  <a:schemeClr val="tx1"/>
-                </a:solidFill>
-              </a:rPr>
-              <a:t>HTF19- </a:t>
-            </a:r>
-            <a:r>
-              <a:rPr lang="en-US" sz="2000" b="1" dirty="0" smtClean="0">
-                <a:solidFill>
-                  <a:schemeClr val="tx1"/>
-                </a:solidFill>
-              </a:rPr>
-              <a:t>App Monsters</a:t>
-            </a:r>
-          </a:p>
-          <a:p>
-            <a:pPr algn="ctr"/>
-            <a:endParaRPr lang="en-US" sz="2000" b="1" dirty="0" smtClean="0">
-              <a:solidFill>
-                <a:schemeClr val="tx1"/>
-              </a:solidFill>
-            </a:endParaRPr>
-          </a:p>
-          <a:p>
-            <a:pPr algn="ctr"/>
-            <a:r>
-              <a:rPr lang="en-US" sz="1600" b="1" dirty="0" err="1" smtClean="0">
-                <a:solidFill>
-                  <a:schemeClr val="tx1"/>
-                </a:solidFill>
-                <a:latin typeface="Times New Roman" pitchFamily="18" charset="0"/>
-                <a:cs typeface="Times New Roman" pitchFamily="18" charset="0"/>
-              </a:rPr>
-              <a:t>Arsalan</a:t>
-            </a:r>
-            <a:r>
-              <a:rPr lang="en-US" sz="1600" b="1" dirty="0" smtClean="0">
-                <a:solidFill>
-                  <a:schemeClr val="tx1"/>
-                </a:solidFill>
-                <a:latin typeface="Times New Roman" pitchFamily="18" charset="0"/>
-                <a:cs typeface="Times New Roman" pitchFamily="18" charset="0"/>
-              </a:rPr>
-              <a:t> | </a:t>
-            </a:r>
-            <a:r>
-              <a:rPr lang="en-US" sz="1600" b="1" dirty="0" err="1" smtClean="0">
-                <a:solidFill>
-                  <a:schemeClr val="tx1"/>
-                </a:solidFill>
-                <a:latin typeface="Times New Roman" pitchFamily="18" charset="0"/>
-                <a:cs typeface="Times New Roman" pitchFamily="18" charset="0"/>
-              </a:rPr>
-              <a:t>Tejaswini</a:t>
-            </a:r>
-            <a:r>
-              <a:rPr lang="en-US" sz="1600" b="1" dirty="0" smtClean="0">
-                <a:solidFill>
-                  <a:schemeClr val="tx1"/>
-                </a:solidFill>
-                <a:latin typeface="Times New Roman" pitchFamily="18" charset="0"/>
-                <a:cs typeface="Times New Roman" pitchFamily="18" charset="0"/>
-              </a:rPr>
-              <a:t> | </a:t>
-            </a:r>
-            <a:r>
-              <a:rPr lang="en-US" sz="1600" b="1" dirty="0" err="1" smtClean="0">
-                <a:solidFill>
-                  <a:schemeClr val="tx1"/>
-                </a:solidFill>
-                <a:latin typeface="Times New Roman" pitchFamily="18" charset="0"/>
-                <a:cs typeface="Times New Roman" pitchFamily="18" charset="0"/>
-              </a:rPr>
-              <a:t>Amogha</a:t>
-            </a:r>
-            <a:r>
-              <a:rPr lang="en-US" sz="1600" b="1" dirty="0" smtClean="0">
-                <a:solidFill>
-                  <a:schemeClr val="tx1"/>
-                </a:solidFill>
-                <a:latin typeface="Times New Roman" pitchFamily="18" charset="0"/>
-                <a:cs typeface="Times New Roman" pitchFamily="18" charset="0"/>
-              </a:rPr>
-              <a:t> | </a:t>
-            </a:r>
-            <a:r>
-              <a:rPr lang="en-US" sz="1600" b="1" dirty="0" err="1" smtClean="0">
-                <a:solidFill>
-                  <a:schemeClr val="tx1"/>
-                </a:solidFill>
-                <a:latin typeface="Times New Roman" pitchFamily="18" charset="0"/>
-                <a:cs typeface="Times New Roman" pitchFamily="18" charset="0"/>
-              </a:rPr>
-              <a:t>Annanya</a:t>
-            </a:r>
-            <a:r>
-              <a:rPr lang="en-US" sz="1600" b="1" dirty="0" smtClean="0">
-                <a:solidFill>
-                  <a:schemeClr val="tx1"/>
-                </a:solidFill>
-                <a:latin typeface="Times New Roman" pitchFamily="18" charset="0"/>
-                <a:cs typeface="Times New Roman" pitchFamily="18" charset="0"/>
-              </a:rPr>
-              <a:t> | </a:t>
-            </a:r>
-            <a:r>
-              <a:rPr lang="en-US" sz="1600" b="1" dirty="0" err="1" smtClean="0">
-                <a:solidFill>
-                  <a:schemeClr val="tx1"/>
-                </a:solidFill>
-                <a:latin typeface="Times New Roman" pitchFamily="18" charset="0"/>
-                <a:cs typeface="Times New Roman" pitchFamily="18" charset="0"/>
-              </a:rPr>
-              <a:t>Viswatej</a:t>
-            </a:r>
-            <a:r>
-              <a:rPr lang="en-US" sz="2000" dirty="0" smtClean="0">
-                <a:solidFill>
-                  <a:schemeClr val="tx1"/>
-                </a:solidFill>
-              </a:rPr>
-              <a:t> | </a:t>
-            </a:r>
-            <a:r>
-              <a:rPr lang="en-US" sz="1600" b="1" dirty="0" smtClean="0">
-                <a:solidFill>
-                  <a:schemeClr val="tx1"/>
-                </a:solidFill>
-                <a:latin typeface="Times New Roman" pitchFamily="18" charset="0"/>
-                <a:cs typeface="Times New Roman" pitchFamily="18" charset="0"/>
-              </a:rPr>
-              <a:t>Hussain</a:t>
-            </a:r>
-          </a:p>
-        </p:txBody>
-      </p:sp>
-      <p:sp>
-        <p:nvSpPr>
-          <p:cNvPr id="4" name="Rounded Rectangle 3"/>
-          <p:cNvSpPr/>
-          <p:nvPr/>
-        </p:nvSpPr>
-        <p:spPr>
-          <a:xfrm>
-            <a:off x="3733800" y="685800"/>
-            <a:ext cx="1752600" cy="1569543"/>
-          </a:xfrm>
-          <a:prstGeom prst="roundRect">
+          <a:prstGeom prst="rect">
             <a:avLst/>
           </a:prstGeom>
-          <a:blipFill dpi="0" rotWithShape="1">
-            <a:blip r:embed="rId3" cstate="print">
-              <a:extLst>
-                <a:ext uri="{28A0092B-C50C-407E-A947-70E740481C1C}">
-                  <a14:useLocalDpi xmlns:a14="http://schemas.microsoft.com/office/drawing/2010/main" val="0"/>
-                </a:ext>
-              </a:extLst>
-            </a:blip>
-            <a:srcRect/>
-            <a:stretch>
-              <a:fillRect/>
-            </a:stretch>
-          </a:blipFill>
+          <a:solidFill>
+            <a:schemeClr val="tx1"/>
+          </a:solidFill>
           <a:ln>
-            <a:solidFill>
-              <a:schemeClr val="bg1"/>
-            </a:solidFill>
+            <a:noFill/>
           </a:ln>
         </p:spPr>
         <p:style>
@@ -4130,10 +4020,74 @@
           </a:p>
         </p:txBody>
       </p:sp>
+      <p:pic>
+        <p:nvPicPr>
+          <p:cNvPr id="3074" name="Picture 2"/>
+          <p:cNvPicPr>
+            <a:picLocks noChangeAspect="1" noChangeArrowheads="1"/>
+          </p:cNvPicPr>
+          <p:nvPr/>
+        </p:nvPicPr>
+        <p:blipFill>
+          <a:blip r:embed="rId2">
+            <a:extLst>
+              <a:ext uri="{28A0092B-C50C-407E-A947-70E740481C1C}">
+                <a14:useLocalDpi xmlns:a14="http://schemas.microsoft.com/office/drawing/2010/main" val="0"/>
+              </a:ext>
+            </a:extLst>
+          </a:blip>
+          <a:srcRect/>
+          <a:stretch>
+            <a:fillRect/>
+          </a:stretch>
+        </p:blipFill>
+        <p:spPr bwMode="auto">
+          <a:xfrm>
+            <a:off x="-695325" y="1228725"/>
+            <a:ext cx="10525125" cy="4333875"/>
+          </a:xfrm>
+          <a:prstGeom prst="rect">
+            <a:avLst/>
+          </a:prstGeom>
+          <a:noFill/>
+          <a:ln>
+            <a:noFill/>
+          </a:ln>
+          <a:effectLst/>
+          <a:extLst>
+            <a:ext uri="{909E8E84-426E-40DD-AFC4-6F175D3DCCD1}">
+              <a14:hiddenFill xmlns:a14="http://schemas.microsoft.com/office/drawing/2010/main">
+                <a:solidFill>
+                  <a:schemeClr val="accent1"/>
+                </a:solidFill>
+              </a14:hiddenFill>
+            </a:ext>
+            <a:ext uri="{91240B29-F687-4F45-9708-019B960494DF}">
+              <a14:hiddenLine xmlns:a14="http://schemas.microsoft.com/office/drawing/2010/main" w="9525">
+                <a:solidFill>
+                  <a:schemeClr val="tx1"/>
+                </a:solidFill>
+                <a:miter lim="800000"/>
+                <a:headEnd/>
+                <a:tailEnd/>
+              </a14:hiddenLine>
+            </a:ext>
+            <a:ext uri="{AF507438-7753-43E0-B8FC-AC1667EBCBE1}">
+              <a14:hiddenEffects xmlns:a14="http://schemas.microsoft.com/office/drawing/2010/main">
+                <a:effectLst>
+                  <a:outerShdw dist="35921" dir="2700000" algn="ctr" rotWithShape="0">
+                    <a:schemeClr val="bg2"/>
+                  </a:outerShdw>
+                </a:effectLst>
+              </a14:hiddenEffects>
+            </a:ext>
+          </a:extLst>
+        </p:spPr>
+      </p:pic>
     </p:spTree>
     <p:extLst>
       <p:ext uri="{BB962C8B-B14F-4D97-AF65-F5344CB8AC3E}">
-        <p14:creationId xmlns:p14="http://schemas.microsoft.com/office/powerpoint/2010/main" val="403479561"/>
+        <p14:creationId xmlns:p14="http://schemas.microsoft.com/office/powerpoint/2010/main" val="2138778090"/>
       </p:ext>
     </p:extLst>
   </p:cSld>
@@ -4210,7 +4164,7 @@
           <a:p>
             <a:r>
               <a:rPr lang="en-US" dirty="0" smtClean="0"/>
-              <a:t>Solution</a:t>
+              <a:t>Description</a:t>
             </a:r>
             <a:endParaRPr lang="en-US" dirty="0"/>
           </a:p>
@@ -4231,39 +4185,34 @@
           <a:bodyPr/>
           <a:lstStyle/>
           <a:p>
+            <a:pPr algn="just"/>
             <a:r>
               <a:rPr lang="en-US" dirty="0" smtClean="0"/>
-              <a:t>We are developing an android application which sends alerts which is useful when an unexpected casualty occurs.</a:t>
-            </a:r>
-          </a:p>
-          <a:p>
+              <a:t>An application which maintains a centralized database of the location, time and casualties when an accident has occurred. </a:t>
+            </a:r>
+            <a:endParaRPr lang="en-US" dirty="0" smtClean="0"/>
+          </a:p>
+          <a:p>
+            <a:pPr algn="just"/>
             <a:r>
               <a:rPr lang="en-US" dirty="0" smtClean="0"/>
-              <a:t>The application can store emergency contacts given by the user.</a:t>
-            </a:r>
-          </a:p>
-          <a:p>
+              <a:t>From </a:t>
+            </a:r>
             <a:r>
               <a:rPr lang="en-US" dirty="0" smtClean="0"/>
-              <a:t>If the user hits the SOS button, an alert will be sent to the nearby hospitals, police stations, and emergency contacts.</a:t>
-            </a:r>
-          </a:p>
-          <a:p>
-            <a:r>
-              <a:rPr lang="en-US" dirty="0" smtClean="0"/>
-              <a:t>The user can enter the number of casualties and </a:t>
-            </a:r>
-            <a:endParaRPr lang="en-US" dirty="0"/>
-          </a:p>
-          <a:p>
-            <a:endParaRPr lang="en-US" dirty="0"/>
+              <a:t>this database, nearby hospitals, police stations, and ambulances are notified about the same.</a:t>
+            </a:r>
+          </a:p>
+          <a:p>
+            <a:pPr algn="just"/>
+            <a:endParaRPr lang="en-US" dirty="0" smtClean="0"/>
           </a:p>
         </p:txBody>
       </p:sp>
     </p:spTree>
     <p:extLst>
       <p:ext uri="{BB962C8B-B14F-4D97-AF65-F5344CB8AC3E}">
-        <p14:creationId xmlns:p14="http://schemas.microsoft.com/office/powerpoint/2010/main" val="188407487"/>
+        <p14:creationId xmlns:p14="http://schemas.microsoft.com/office/powerpoint/2010/main" val="2741036952"/>
       </p:ext>
     </p:extLst>
   </p:cSld>
@@ -4285,26 +4234,23 @@
   <p:cSld>
     <p:bg>
       <p:bgPr>
-        <a:gradFill rotWithShape="1">
+        <a:gradFill flip="none" rotWithShape="1">
           <a:gsLst>
             <a:gs pos="0">
-              <a:srgbClr val="FF0000">
-                <a:lumMod val="34000"/>
-                <a:lumOff val="66000"/>
-              </a:srgbClr>
-            </a:gs>
-            <a:gs pos="40000">
               <a:schemeClr val="bg2">
-                <a:tint val="95000"/>
-                <a:shade val="85000"/>
-                <a:satMod val="150000"/>
+                <a:tint val="85000"/>
+                <a:satMod val="180000"/>
               </a:schemeClr>
             </a:gs>
+            <a:gs pos="17000">
+              <a:schemeClr val="bg2"/>
+            </a:gs>
             <a:gs pos="100000">
-              <a:schemeClr val="bg1"/>
+              <a:srgbClr val="FF0000"/>
             </a:gs>
           </a:gsLst>
-          <a:lin ang="5400000" scaled="0"/>
+          <a:lin ang="16200000" scaled="1"/>
+          <a:tileRect/>
         </a:gradFill>
         <a:effectLst/>
       </p:bgPr>
@@ -4330,37 +4276,102 @@
             <a:spLocks noGrp="1"/>
           </p:cNvSpPr>
           <p:nvPr>
-            <p:ph type="title"/>
-          </p:nvPr>
-        </p:nvSpPr>
-        <p:spPr/>
-        <p:txBody>
-          <a:bodyPr/>
-          <a:lstStyle/>
-          <a:p>
-            <a:r>
-              <a:rPr lang="en-US" dirty="0" smtClean="0"/>
-              <a:t>Tech Stacks</a:t>
-            </a:r>
-            <a:endParaRPr lang="en-US" dirty="0"/>
-          </a:p>
-        </p:txBody>
-      </p:sp>
-      <p:sp>
-        <p:nvSpPr>
-          <p:cNvPr id="3" name="Content Placeholder 2"/>
-          <p:cNvSpPr>
-            <a:spLocks noGrp="1"/>
-          </p:cNvSpPr>
-          <p:nvPr>
-            <p:ph idx="1"/>
-          </p:nvPr>
-        </p:nvSpPr>
-        <p:spPr/>
-        <p:txBody>
-          <a:bodyPr/>
-          <a:lstStyle/>
-          <a:p>
+            <p:ph type="ctrTitle" idx="4294967295"/>
+          </p:nvPr>
+        </p:nvSpPr>
+        <p:spPr>
+          <a:xfrm>
+            <a:off x="762000" y="3940175"/>
+            <a:ext cx="7848600" cy="1927225"/>
+          </a:xfrm>
+        </p:spPr>
+        <p:txBody>
+          <a:bodyPr>
+            <a:normAutofit/>
+          </a:bodyPr>
+          <a:lstStyle/>
+          <a:p>
+            <a:pPr algn="ctr"/>
+            <a:r>
+              <a:rPr lang="en-US" sz="6000" b="1" dirty="0" smtClean="0">
+                <a:ln>
+                  <a:solidFill>
+                    <a:schemeClr val="bg1"/>
+                  </a:solidFill>
+                </a:ln>
+                <a:solidFill>
+                  <a:srgbClr val="FF0000"/>
+                </a:solidFill>
+              </a:rPr>
+              <a:t>Alert360</a:t>
+            </a:r>
+            <a:endParaRPr lang="en-US" sz="6000" b="1" dirty="0">
+              <a:ln>
+                <a:solidFill>
+                  <a:schemeClr val="bg1"/>
+                </a:solidFill>
+              </a:ln>
+              <a:solidFill>
+                <a:srgbClr val="FF0000"/>
+              </a:solidFill>
+            </a:endParaRPr>
+          </a:p>
+        </p:txBody>
+      </p:sp>
+      <p:sp>
+        <p:nvSpPr>
+          <p:cNvPr id="4" name="Rounded Rectangle 3"/>
+          <p:cNvSpPr/>
+          <p:nvPr/>
+        </p:nvSpPr>
+        <p:spPr>
+          <a:xfrm>
+            <a:off x="3276600" y="1752600"/>
+            <a:ext cx="2667000" cy="2560143"/>
+          </a:xfrm>
+          <a:prstGeom prst="roundRect">
+            <a:avLst/>
+          </a:prstGeom>
+          <a:blipFill dpi="0" rotWithShape="1">
+            <a:blip r:embed="rId3" cstate="print">
+              <a:extLst>
+                <a:ext uri="{28A0092B-C50C-407E-A947-70E740481C1C}">
+                  <a14:useLocalDpi xmlns:a14="http://schemas.microsoft.com/office/drawing/2010/main" val="0"/>
+                </a:ext>
+              </a:extLst>
+            </a:blip>
+            <a:srcRect/>
+            <a:stretch>
+              <a:fillRect/>
+            </a:stretch>
+          </a:blipFill>
+          <a:ln>
+            <a:solidFill>
+              <a:schemeClr val="bg1"/>
+            </a:solidFill>
+          </a:ln>
+        </p:spPr>
+        <p:style>
+          <a:lnRef idx="2">
+            <a:schemeClr val="accent1">
+              <a:shade val="50000"/>
+            </a:schemeClr>
+          </a:lnRef>
+          <a:fillRef idx="1">
+            <a:schemeClr val="accent1"/>
+          </a:fillRef>
+          <a:effectRef idx="0">
+            <a:schemeClr val="accent1"/>
+          </a:effectRef>
+          <a:fontRef idx="minor">
+            <a:schemeClr val="lt1"/>
+          </a:fontRef>
+        </p:style>
+        <p:txBody>
+          <a:bodyPr rtlCol="0" anchor="ctr"/>
+          <a:lstStyle/>
+          <a:p>
+            <a:pPr algn="ctr"/>
             <a:endParaRPr lang="en-US"/>
           </a:p>
         </p:txBody>
@@ -4368,7 +4379,7 @@
     </p:spTree>
     <p:extLst>
       <p:ext uri="{BB962C8B-B14F-4D97-AF65-F5344CB8AC3E}">
-        <p14:creationId xmlns:p14="http://schemas.microsoft.com/office/powerpoint/2010/main" val="377329351"/>
+        <p14:creationId xmlns:p14="http://schemas.microsoft.com/office/powerpoint/2010/main" val="403479561"/>
       </p:ext>
     </p:extLst>
   </p:cSld>
@@ -4428,98 +4439,172 @@
           <a:chExt cx="0" cy="0"/>
         </a:xfrm>
       </p:grpSpPr>
-      <p:sp>
-        <p:nvSpPr>
-          <p:cNvPr id="2" name="Title 1"/>
-          <p:cNvSpPr>
-            <a:spLocks noGrp="1"/>
-          </p:cNvSpPr>
-          <p:nvPr>
-            <p:ph type="title"/>
-          </p:nvPr>
-        </p:nvSpPr>
-        <p:spPr/>
-        <p:txBody>
-          <a:bodyPr/>
-          <a:lstStyle/>
-          <a:p>
-            <a:r>
-              <a:rPr lang="en-US" dirty="0" smtClean="0"/>
-              <a:t>Description</a:t>
-            </a:r>
-            <a:endParaRPr lang="en-US" dirty="0"/>
-          </a:p>
-        </p:txBody>
-      </p:sp>
-      <p:sp>
-        <p:nvSpPr>
-          <p:cNvPr id="3" name="Content Placeholder 2"/>
-          <p:cNvSpPr>
-            <a:spLocks noGrp="1"/>
-          </p:cNvSpPr>
-          <p:nvPr>
-            <p:ph idx="1"/>
-          </p:nvPr>
+      <p:pic>
+        <p:nvPicPr>
+          <p:cNvPr id="1026" name="Picture 2"/>
+          <p:cNvPicPr>
+            <a:picLocks noChangeAspect="1" noChangeArrowheads="1"/>
+          </p:cNvPicPr>
+          <p:nvPr/>
+        </p:nvPicPr>
+        <p:blipFill rotWithShape="1">
+          <a:blip r:embed="rId2">
+            <a:clrChange>
+              <a:clrFrom>
+                <a:srgbClr val="FFFFFF"/>
+              </a:clrFrom>
+              <a:clrTo>
+                <a:srgbClr val="FFFFFF">
+                  <a:alpha val="0"/>
+                </a:srgbClr>
+              </a:clrTo>
+            </a:clrChange>
+            <a:extLst>
+              <a:ext uri="{28A0092B-C50C-407E-A947-70E740481C1C}">
+                <a14:useLocalDpi xmlns:a14="http://schemas.microsoft.com/office/drawing/2010/main" val="0"/>
+              </a:ext>
+            </a:extLst>
+          </a:blip>
+          <a:srcRect b="11890"/>
+          <a:stretch/>
+        </p:blipFill>
+        <p:spPr bwMode="auto">
+          <a:xfrm>
+            <a:off x="3513100" y="506319"/>
+            <a:ext cx="5630900" cy="5742081"/>
+          </a:xfrm>
+          <a:prstGeom prst="rect">
+            <a:avLst/>
+          </a:prstGeom>
+          <a:noFill/>
+          <a:ln>
+            <a:noFill/>
+          </a:ln>
+          <a:effectLst/>
+          <a:extLst>
+            <a:ext uri="{909E8E84-426E-40DD-AFC4-6F175D3DCCD1}">
+              <a14:hiddenFill xmlns:a14="http://schemas.microsoft.com/office/drawing/2010/main">
+                <a:solidFill>
+                  <a:schemeClr val="accent1"/>
+                </a:solidFill>
+              </a14:hiddenFill>
+            </a:ext>
+            <a:ext uri="{91240B29-F687-4F45-9708-019B960494DF}">
+              <a14:hiddenLine xmlns:a14="http://schemas.microsoft.com/office/drawing/2010/main" w="9525">
+                <a:solidFill>
+                  <a:schemeClr val="tx1"/>
+                </a:solidFill>
+                <a:miter lim="800000"/>
+                <a:headEnd/>
+                <a:tailEnd/>
+              </a14:hiddenLine>
+            </a:ext>
+            <a:ext uri="{AF507438-7753-43E0-B8FC-AC1667EBCBE1}">
+              <a14:hiddenEffects xmlns:a14="http://schemas.microsoft.com/office/drawing/2010/main">
+                <a:effectLst>
+                  <a:outerShdw dist="35921" dir="2700000" algn="ctr" rotWithShape="0">
+                    <a:schemeClr val="bg2"/>
+                  </a:outerShdw>
+                </a:effectLst>
+              </a14:hiddenEffects>
+            </a:ext>
+          </a:extLst>
+        </p:spPr>
+      </p:pic>
+      <p:sp>
+        <p:nvSpPr>
+          <p:cNvPr id="8" name="Rectangle 7"/>
+          <p:cNvSpPr/>
+          <p:nvPr/>
         </p:nvSpPr>
         <p:spPr>
           <a:xfrm>
-            <a:off x="457200" y="1600200"/>
-            <a:ext cx="5486400" cy="4876800"/>
+            <a:off x="958916" y="5791200"/>
+            <a:ext cx="1936684" cy="523220"/>
           </a:xfrm>
+          <a:prstGeom prst="rect">
+            <a:avLst/>
+          </a:prstGeom>
+          <a:ln>
+            <a:noFill/>
+          </a:ln>
         </p:spPr>
         <p:txBody>
-          <a:bodyPr/>
-          <a:lstStyle/>
-          <a:p>
-            <a:r>
-              <a:rPr lang="en-US" dirty="0" smtClean="0"/>
-              <a:t>An application which maintains a centralized database of the location, time and casualties when an accident has occurred. From this database, nearby hospitals, police stations, and ambulances are notified about the same.</a:t>
-            </a:r>
-          </a:p>
-          <a:p>
-            <a:endParaRPr lang="en-US" dirty="0" smtClean="0"/>
-          </a:p>
-        </p:txBody>
-      </p:sp>
-      <p:cxnSp>
-        <p:nvCxnSpPr>
-          <p:cNvPr id="9" name="Straight Connector 8"/>
-          <p:cNvCxnSpPr/>
+          <a:bodyPr wrap="none">
+            <a:spAutoFit/>
+          </a:bodyPr>
+          <a:lstStyle/>
+          <a:p>
+            <a:r>
+              <a:rPr lang="en-US" sz="2800" dirty="0" smtClean="0">
+                <a:ln>
+                  <a:solidFill>
+                    <a:srgbClr val="FF0000"/>
+                  </a:solidFill>
+                </a:ln>
+                <a:solidFill>
+                  <a:srgbClr val="FF0000"/>
+                </a:solidFill>
+              </a:rPr>
+              <a:t>ALERT360</a:t>
+            </a:r>
+            <a:endParaRPr lang="en-US" sz="2800" dirty="0">
+              <a:ln>
+                <a:solidFill>
+                  <a:srgbClr val="FF0000"/>
+                </a:solidFill>
+              </a:ln>
+              <a:solidFill>
+                <a:srgbClr val="FF0000"/>
+              </a:solidFill>
+            </a:endParaRPr>
+          </a:p>
+        </p:txBody>
+      </p:sp>
+      <p:pic>
+        <p:nvPicPr>
+          <p:cNvPr id="9" name="Picture 8"/>
+          <p:cNvPicPr>
+            <a:picLocks noChangeAspect="1"/>
+          </p:cNvPicPr>
           <p:nvPr/>
-        </p:nvCxnSpPr>
+        </p:nvPicPr>
+        <p:blipFill>
+          <a:blip r:embed="rId3">
+            <a:clrChange>
+              <a:clrFrom>
+                <a:srgbClr val="FFFFFF"/>
+              </a:clrFrom>
+              <a:clrTo>
+                <a:srgbClr val="FFFFFF">
+                  <a:alpha val="0"/>
+                </a:srgbClr>
+              </a:clrTo>
+            </a:clrChange>
+            <a:extLst>
+              <a:ext uri="{28A0092B-C50C-407E-A947-70E740481C1C}">
+                <a14:useLocalDpi xmlns:a14="http://schemas.microsoft.com/office/drawing/2010/main" val="0"/>
+              </a:ext>
+            </a:extLst>
+          </a:blip>
+          <a:stretch>
+            <a:fillRect/>
+          </a:stretch>
+        </p:blipFill>
         <p:spPr>
           <a:xfrm>
-            <a:off x="6172200" y="1524000"/>
-            <a:ext cx="0" cy="4724400"/>
+            <a:off x="76200" y="685800"/>
+            <a:ext cx="3969302" cy="4953532"/>
           </a:xfrm>
-          <a:prstGeom prst="line">
+          <a:prstGeom prst="rect">
             <a:avLst/>
           </a:prstGeom>
-          <a:ln w="19050">
-            <a:solidFill>
-              <a:schemeClr val="tx2"/>
-            </a:solidFill>
-          </a:ln>
         </p:spPr>
-        <p:style>
-          <a:lnRef idx="1">
-            <a:schemeClr val="accent1"/>
-          </a:lnRef>
-          <a:fillRef idx="0">
-            <a:schemeClr val="accent1"/>
-          </a:fillRef>
-          <a:effectRef idx="0">
-            <a:schemeClr val="accent1"/>
-          </a:effectRef>
-          <a:fontRef idx="minor">
-            <a:schemeClr val="tx1"/>
-          </a:fontRef>
-        </p:style>
-      </p:cxnSp>
+      </p:pic>
     </p:spTree>
     <p:extLst>
       <p:ext uri="{BB962C8B-B14F-4D97-AF65-F5344CB8AC3E}">
-        <p14:creationId xmlns:p14="http://schemas.microsoft.com/office/powerpoint/2010/main" val="2741036952"/>
+        <p14:creationId xmlns:p14="http://schemas.microsoft.com/office/powerpoint/2010/main" val="188407487"/>
       </p:ext>
     </p:extLst>
   </p:cSld>
@@ -4596,7 +4681,7 @@
           <a:p>
             <a:r>
               <a:rPr lang="en-US" dirty="0" smtClean="0"/>
-              <a:t>Use Cases</a:t>
+              <a:t>Solution</a:t>
             </a:r>
             <a:endParaRPr lang="en-US" dirty="0"/>
           </a:p>
@@ -4617,14 +4702,49 @@
           <a:bodyPr/>
           <a:lstStyle/>
           <a:p>
-            <a:endParaRPr lang="en-US"/>
+            <a:pPr algn="just"/>
+            <a:r>
+              <a:rPr lang="en-US" dirty="0" smtClean="0"/>
+              <a:t>We are developing an android application which sends alerts </a:t>
+            </a:r>
+            <a:r>
+              <a:rPr lang="en-US" dirty="0" smtClean="0"/>
+              <a:t>when </a:t>
+            </a:r>
+            <a:r>
+              <a:rPr lang="en-US" dirty="0" smtClean="0"/>
+              <a:t>an unexpected casualty occurs.</a:t>
+            </a:r>
+          </a:p>
+          <a:p>
+            <a:pPr algn="just"/>
+            <a:r>
+              <a:rPr lang="en-US" dirty="0" smtClean="0"/>
+              <a:t>If the user hits the SOS button, an alert will be sent to the nearby hospitals, police stations, and emergency contacts.</a:t>
+            </a:r>
+          </a:p>
+          <a:p>
+            <a:pPr algn="just"/>
+            <a:r>
+              <a:rPr lang="en-US" dirty="0" smtClean="0"/>
+              <a:t>The user can also specify if there are more than one casualties.</a:t>
+            </a:r>
+            <a:endParaRPr lang="en-US" dirty="0"/>
+          </a:p>
+          <a:p>
+            <a:pPr algn="just"/>
+            <a:r>
+              <a:rPr lang="en-US" dirty="0" smtClean="0"/>
+              <a:t>The application can store emergency contacts given by the user.</a:t>
+            </a:r>
+            <a:endParaRPr lang="en-US" dirty="0" smtClean="0"/>
           </a:p>
         </p:txBody>
       </p:sp>
     </p:spTree>
     <p:extLst>
       <p:ext uri="{BB962C8B-B14F-4D97-AF65-F5344CB8AC3E}">
-        <p14:creationId xmlns:p14="http://schemas.microsoft.com/office/powerpoint/2010/main" val="1114044411"/>
+        <p14:creationId xmlns:p14="http://schemas.microsoft.com/office/powerpoint/2010/main" val="3346875171"/>
       </p:ext>
     </p:extLst>
   </p:cSld>
@@ -4701,7 +4821,7 @@
           <a:p>
             <a:r>
               <a:rPr lang="en-US" dirty="0" smtClean="0"/>
-              <a:t>Dependencies</a:t>
+              <a:t>Tech Stacks</a:t>
             </a:r>
             <a:endParaRPr lang="en-US" dirty="0"/>
           </a:p>
@@ -4714,7 +4834,7 @@
             <a:spLocks noGrp="1"/>
           </p:cNvSpPr>
           <p:nvPr>
-            <p:ph idx="1"/>
+            <p:ph sz="half" idx="1"/>
           </p:nvPr>
         </p:nvSpPr>
         <p:spPr/>
@@ -4722,14 +4842,759 @@
           <a:bodyPr/>
           <a:lstStyle/>
           <a:p>
-            <a:endParaRPr lang="en-US"/>
-          </a:p>
-        </p:txBody>
-      </p:sp>
+            <a:pPr marL="0" indent="0" algn="ctr">
+              <a:buNone/>
+            </a:pPr>
+            <a:r>
+              <a:rPr lang="en-US" b="1" dirty="0" smtClean="0"/>
+              <a:t>Android studio</a:t>
+            </a:r>
+          </a:p>
+          <a:p>
+            <a:pPr algn="ctr"/>
+            <a:endParaRPr lang="en-US" b="1" dirty="0" smtClean="0"/>
+          </a:p>
+          <a:p>
+            <a:pPr algn="ctr"/>
+            <a:endParaRPr lang="en-US" b="1" dirty="0"/>
+          </a:p>
+        </p:txBody>
+      </p:sp>
+      <p:sp>
+        <p:nvSpPr>
+          <p:cNvPr id="4" name="Content Placeholder 3"/>
+          <p:cNvSpPr>
+            <a:spLocks noGrp="1"/>
+          </p:cNvSpPr>
+          <p:nvPr>
+            <p:ph sz="half" idx="2"/>
+          </p:nvPr>
+        </p:nvSpPr>
+        <p:spPr/>
+        <p:txBody>
+          <a:bodyPr/>
+          <a:lstStyle/>
+          <a:p>
+            <a:pPr marL="0" indent="0" algn="ctr">
+              <a:buNone/>
+            </a:pPr>
+            <a:r>
+              <a:rPr lang="en-US" b="1" dirty="0"/>
+              <a:t>Firebase</a:t>
+            </a:r>
+          </a:p>
+        </p:txBody>
+      </p:sp>
+      <p:pic>
+        <p:nvPicPr>
+          <p:cNvPr id="2050" name="Picture 2"/>
+          <p:cNvPicPr>
+            <a:picLocks noChangeAspect="1" noChangeArrowheads="1"/>
+          </p:cNvPicPr>
+          <p:nvPr/>
+        </p:nvPicPr>
+        <p:blipFill>
+          <a:blip r:embed="rId2" cstate="print">
+            <a:clrChange>
+              <a:clrFrom>
+                <a:srgbClr val="000000"/>
+              </a:clrFrom>
+              <a:clrTo>
+                <a:srgbClr val="000000">
+                  <a:alpha val="0"/>
+                </a:srgbClr>
+              </a:clrTo>
+            </a:clrChange>
+            <a:extLst>
+              <a:ext uri="{28A0092B-C50C-407E-A947-70E740481C1C}">
+                <a14:useLocalDpi xmlns:a14="http://schemas.microsoft.com/office/drawing/2010/main" val="0"/>
+              </a:ext>
+            </a:extLst>
+          </a:blip>
+          <a:srcRect/>
+          <a:stretch>
+            <a:fillRect/>
+          </a:stretch>
+        </p:blipFill>
+        <p:spPr bwMode="auto">
+          <a:xfrm>
+            <a:off x="1371600" y="3676650"/>
+            <a:ext cx="1905000" cy="1905000"/>
+          </a:xfrm>
+          <a:prstGeom prst="rect">
+            <a:avLst/>
+          </a:prstGeom>
+          <a:noFill/>
+          <a:ln>
+            <a:noFill/>
+          </a:ln>
+          <a:effectLst/>
+          <a:extLst>
+            <a:ext uri="{909E8E84-426E-40DD-AFC4-6F175D3DCCD1}">
+              <a14:hiddenFill xmlns:a14="http://schemas.microsoft.com/office/drawing/2010/main">
+                <a:solidFill>
+                  <a:schemeClr val="accent1"/>
+                </a:solidFill>
+              </a14:hiddenFill>
+            </a:ext>
+            <a:ext uri="{91240B29-F687-4F45-9708-019B960494DF}">
+              <a14:hiddenLine xmlns:a14="http://schemas.microsoft.com/office/drawing/2010/main" w="9525">
+                <a:solidFill>
+                  <a:schemeClr val="tx1"/>
+                </a:solidFill>
+                <a:miter lim="800000"/>
+                <a:headEnd/>
+                <a:tailEnd/>
+              </a14:hiddenLine>
+            </a:ext>
+            <a:ext uri="{AF507438-7753-43E0-B8FC-AC1667EBCBE1}">
+              <a14:hiddenEffects xmlns:a14="http://schemas.microsoft.com/office/drawing/2010/main">
+                <a:effectLst>
+                  <a:outerShdw dist="35921" dir="2700000" algn="ctr" rotWithShape="0">
+                    <a:schemeClr val="bg2"/>
+                  </a:outerShdw>
+                </a:effectLst>
+              </a14:hiddenEffects>
+            </a:ext>
+          </a:extLst>
+        </p:spPr>
+      </p:pic>
+      <p:pic>
+        <p:nvPicPr>
+          <p:cNvPr id="2052" name="Picture 4"/>
+          <p:cNvPicPr>
+            <a:picLocks noChangeAspect="1" noChangeArrowheads="1"/>
+          </p:cNvPicPr>
+          <p:nvPr/>
+        </p:nvPicPr>
+        <p:blipFill>
+          <a:blip r:embed="rId3">
+            <a:clrChange>
+              <a:clrFrom>
+                <a:srgbClr val="000000"/>
+              </a:clrFrom>
+              <a:clrTo>
+                <a:srgbClr val="000000">
+                  <a:alpha val="0"/>
+                </a:srgbClr>
+              </a:clrTo>
+            </a:clrChange>
+            <a:extLst>
+              <a:ext uri="{28A0092B-C50C-407E-A947-70E740481C1C}">
+                <a14:useLocalDpi xmlns:a14="http://schemas.microsoft.com/office/drawing/2010/main" val="0"/>
+              </a:ext>
+            </a:extLst>
+          </a:blip>
+          <a:srcRect/>
+          <a:stretch>
+            <a:fillRect/>
+          </a:stretch>
+        </p:blipFill>
+        <p:spPr bwMode="auto">
+          <a:xfrm>
+            <a:off x="5638800" y="3578046"/>
+            <a:ext cx="2000250" cy="2000250"/>
+          </a:xfrm>
+          <a:prstGeom prst="rect">
+            <a:avLst/>
+          </a:prstGeom>
+          <a:noFill/>
+          <a:ln>
+            <a:noFill/>
+          </a:ln>
+          <a:effectLst/>
+          <a:extLst>
+            <a:ext uri="{909E8E84-426E-40DD-AFC4-6F175D3DCCD1}">
+              <a14:hiddenFill xmlns:a14="http://schemas.microsoft.com/office/drawing/2010/main">
+                <a:solidFill>
+                  <a:schemeClr val="accent1"/>
+                </a:solidFill>
+              </a14:hiddenFill>
+            </a:ext>
+            <a:ext uri="{91240B29-F687-4F45-9708-019B960494DF}">
+              <a14:hiddenLine xmlns:a14="http://schemas.microsoft.com/office/drawing/2010/main" w="9525">
+                <a:solidFill>
+                  <a:schemeClr val="tx1"/>
+                </a:solidFill>
+                <a:miter lim="800000"/>
+                <a:headEnd/>
+                <a:tailEnd/>
+              </a14:hiddenLine>
+            </a:ext>
+            <a:ext uri="{AF507438-7753-43E0-B8FC-AC1667EBCBE1}">
+              <a14:hiddenEffects xmlns:a14="http://schemas.microsoft.com/office/drawing/2010/main">
+                <a:effectLst>
+                  <a:outerShdw dist="35921" dir="2700000" algn="ctr" rotWithShape="0">
+                    <a:schemeClr val="bg2"/>
+                  </a:outerShdw>
+                </a:effectLst>
+              </a14:hiddenEffects>
+            </a:ext>
+          </a:extLst>
+        </p:spPr>
+      </p:pic>
     </p:spTree>
     <p:extLst>
       <p:ext uri="{BB962C8B-B14F-4D97-AF65-F5344CB8AC3E}">
-        <p14:creationId xmlns:p14="http://schemas.microsoft.com/office/powerpoint/2010/main" val="3442154983"/>
+        <p14:creationId xmlns:p14="http://schemas.microsoft.com/office/powerpoint/2010/main" val="377329351"/>
+      </p:ext>
+    </p:extLst>
+  </p:cSld>
+  <p:clrMapOvr>
+    <a:masterClrMapping/>
+  </p:clrMapOvr>
+  <p:timing>
+    <p:tnLst>
+      <p:par>
+        <p:cTn id="1" dur="indefinite" restart="never" nodeType="tmRoot"/>
+      </p:par>
+    </p:tnLst>
+  </p:timing>
+</p:sld>
+</file>
+
+<file path=ppt/slides/slide7.xml><?xml version="1.0" encoding="utf-8"?>
+<p:sld xmlns:a="http://schemas.openxmlformats.org/drawingml/2006/main" xmlns:r="http://schemas.openxmlformats.org/officeDocument/2006/relationships" xmlns:p="http://schemas.openxmlformats.org/presentationml/2006/main">
+  <p:cSld>
+    <p:bg>
+      <p:bgPr>
+        <a:gradFill rotWithShape="1">
+          <a:gsLst>
+            <a:gs pos="0">
+              <a:srgbClr val="FF0000">
+                <a:lumMod val="34000"/>
+                <a:lumOff val="66000"/>
+              </a:srgbClr>
+            </a:gs>
+            <a:gs pos="40000">
+              <a:schemeClr val="bg2">
+                <a:tint val="95000"/>
+                <a:shade val="85000"/>
+                <a:satMod val="150000"/>
+              </a:schemeClr>
+            </a:gs>
+            <a:gs pos="100000">
+              <a:schemeClr val="bg1"/>
+            </a:gs>
+          </a:gsLst>
+          <a:lin ang="5400000" scaled="0"/>
+        </a:gradFill>
+        <a:effectLst/>
+      </p:bgPr>
+    </p:bg>
+    <p:spTree>
+      <p:nvGrpSpPr>
+        <p:cNvPr id="1" name=""/>
+        <p:cNvGrpSpPr/>
+        <p:nvPr/>
+      </p:nvGrpSpPr>
+      <p:grpSpPr>
+        <a:xfrm>
+          <a:off x="0" y="0"/>
+          <a:ext cx="0" cy="0"/>
+          <a:chOff x="0" y="0"/>
+          <a:chExt cx="0" cy="0"/>
+        </a:xfrm>
+      </p:grpSpPr>
+      <p:sp>
+        <p:nvSpPr>
+          <p:cNvPr id="2" name="Title 1"/>
+          <p:cNvSpPr>
+            <a:spLocks noGrp="1"/>
+          </p:cNvSpPr>
+          <p:nvPr>
+            <p:ph type="title"/>
+          </p:nvPr>
+        </p:nvSpPr>
+        <p:spPr/>
+        <p:txBody>
+          <a:bodyPr/>
+          <a:lstStyle/>
+          <a:p>
+            <a:r>
+              <a:rPr lang="en-US" dirty="0" smtClean="0"/>
+              <a:t>Use Cases</a:t>
+            </a:r>
+            <a:endParaRPr lang="en-US" dirty="0"/>
+          </a:p>
+        </p:txBody>
+      </p:sp>
+      <p:sp>
+        <p:nvSpPr>
+          <p:cNvPr id="3" name="Content Placeholder 2"/>
+          <p:cNvSpPr>
+            <a:spLocks noGrp="1"/>
+          </p:cNvSpPr>
+          <p:nvPr>
+            <p:ph idx="1"/>
+          </p:nvPr>
+        </p:nvSpPr>
+        <p:spPr/>
+        <p:txBody>
+          <a:bodyPr>
+            <a:normAutofit/>
+          </a:bodyPr>
+          <a:lstStyle/>
+          <a:p>
+            <a:pPr algn="just"/>
+            <a:r>
+              <a:rPr lang="en-US" sz="2800" b="1" dirty="0" smtClean="0"/>
+              <a:t>Casualty</a:t>
+            </a:r>
+          </a:p>
+          <a:p>
+            <a:pPr lvl="1" algn="just"/>
+            <a:r>
+              <a:rPr lang="en-US" sz="2400" dirty="0" smtClean="0"/>
+              <a:t>The user can enter the number of casualties and those casualties are stored in the database.</a:t>
+            </a:r>
+          </a:p>
+          <a:p>
+            <a:pPr lvl="1" algn="just"/>
+            <a:endParaRPr lang="en-US" dirty="0"/>
+          </a:p>
+          <a:p>
+            <a:pPr lvl="1" algn="just"/>
+            <a:endParaRPr lang="en-US" dirty="0" smtClean="0"/>
+          </a:p>
+          <a:p>
+            <a:pPr algn="just"/>
+            <a:r>
+              <a:rPr lang="en-US" sz="2800" b="1" dirty="0" smtClean="0"/>
+              <a:t>SOS </a:t>
+            </a:r>
+          </a:p>
+          <a:p>
+            <a:pPr lvl="1" algn="just"/>
+            <a:r>
+              <a:rPr lang="en-US" sz="2400" dirty="0" smtClean="0"/>
+              <a:t>When the user hits the SOS button</a:t>
+            </a:r>
+            <a:r>
+              <a:rPr lang="en-US" sz="2400" dirty="0"/>
+              <a:t>-</a:t>
+            </a:r>
+            <a:r>
+              <a:rPr lang="en-US" sz="2400" dirty="0" smtClean="0"/>
+              <a:t> based </a:t>
+            </a:r>
+            <a:r>
+              <a:rPr lang="en-US" sz="2400" dirty="0"/>
+              <a:t>on the </a:t>
+            </a:r>
+            <a:r>
+              <a:rPr lang="en-US" sz="2400" dirty="0" smtClean="0"/>
+              <a:t>casualty- nearby hospitals, ambulances,</a:t>
+            </a:r>
+            <a:r>
+              <a:rPr lang="en-US" sz="2400" dirty="0"/>
+              <a:t> fire stations, </a:t>
+            </a:r>
+            <a:r>
+              <a:rPr lang="en-US" sz="2400" dirty="0" smtClean="0"/>
+              <a:t> and police stations are alerted.</a:t>
+            </a:r>
+          </a:p>
+        </p:txBody>
+      </p:sp>
+    </p:spTree>
+    <p:extLst>
+      <p:ext uri="{BB962C8B-B14F-4D97-AF65-F5344CB8AC3E}">
+        <p14:creationId xmlns:p14="http://schemas.microsoft.com/office/powerpoint/2010/main" val="1114044411"/>
+      </p:ext>
+    </p:extLst>
+  </p:cSld>
+  <p:clrMapOvr>
+    <a:masterClrMapping/>
+  </p:clrMapOvr>
+  <p:timing>
+    <p:tnLst>
+      <p:par>
+        <p:cTn id="1" dur="indefinite" restart="never" nodeType="tmRoot"/>
+      </p:par>
+    </p:tnLst>
+  </p:timing>
+</p:sld>
+</file>
+
+<file path=ppt/slides/slide8.xml><?xml version="1.0" encoding="utf-8"?>
+<p:sld xmlns:a="http://schemas.openxmlformats.org/drawingml/2006/main" xmlns:r="http://schemas.openxmlformats.org/officeDocument/2006/relationships" xmlns:p="http://schemas.openxmlformats.org/presentationml/2006/main">
+  <p:cSld>
+    <p:bg>
+      <p:bgPr>
+        <a:gradFill flip="none" rotWithShape="1">
+          <a:gsLst>
+            <a:gs pos="0">
+              <a:schemeClr val="bg2">
+                <a:tint val="85000"/>
+                <a:satMod val="180000"/>
+              </a:schemeClr>
+            </a:gs>
+            <a:gs pos="17000">
+              <a:schemeClr val="bg2"/>
+            </a:gs>
+            <a:gs pos="100000">
+              <a:srgbClr val="FF0000"/>
+            </a:gs>
+          </a:gsLst>
+          <a:lin ang="16200000" scaled="1"/>
+          <a:tileRect/>
+        </a:gradFill>
+        <a:effectLst/>
+      </p:bgPr>
+    </p:bg>
+    <p:spTree>
+      <p:nvGrpSpPr>
+        <p:cNvPr id="1" name=""/>
+        <p:cNvGrpSpPr/>
+        <p:nvPr/>
+      </p:nvGrpSpPr>
+      <p:grpSpPr>
+        <a:xfrm>
+          <a:off x="0" y="0"/>
+          <a:ext cx="0" cy="0"/>
+          <a:chOff x="0" y="0"/>
+          <a:chExt cx="0" cy="0"/>
+        </a:xfrm>
+      </p:grpSpPr>
+      <p:sp>
+        <p:nvSpPr>
+          <p:cNvPr id="2" name="Title 1"/>
+          <p:cNvSpPr>
+            <a:spLocks noGrp="1"/>
+          </p:cNvSpPr>
+          <p:nvPr>
+            <p:ph type="ctrTitle"/>
+          </p:nvPr>
+        </p:nvSpPr>
+        <p:spPr/>
+        <p:txBody>
+          <a:bodyPr/>
+          <a:lstStyle/>
+          <a:p>
+            <a:pPr algn="ctr"/>
+            <a:r>
+              <a:rPr lang="en-US" b="1" dirty="0" smtClean="0">
+                <a:ln>
+                  <a:solidFill>
+                    <a:schemeClr val="bg1"/>
+                  </a:solidFill>
+                </a:ln>
+                <a:solidFill>
+                  <a:srgbClr val="FF0000"/>
+                </a:solidFill>
+              </a:rPr>
+              <a:t>Alert360</a:t>
+            </a:r>
+            <a:endParaRPr lang="en-US" b="1" dirty="0">
+              <a:ln>
+                <a:solidFill>
+                  <a:schemeClr val="bg1"/>
+                </a:solidFill>
+              </a:ln>
+              <a:solidFill>
+                <a:srgbClr val="FF0000"/>
+              </a:solidFill>
+            </a:endParaRPr>
+          </a:p>
+        </p:txBody>
+      </p:sp>
+      <p:sp>
+        <p:nvSpPr>
+          <p:cNvPr id="3" name="Subtitle 2"/>
+          <p:cNvSpPr>
+            <a:spLocks noGrp="1"/>
+          </p:cNvSpPr>
+          <p:nvPr>
+            <p:ph type="subTitle" idx="1"/>
+          </p:nvPr>
+        </p:nvSpPr>
+        <p:spPr>
+          <a:xfrm>
+            <a:off x="685800" y="3962400"/>
+            <a:ext cx="7848600" cy="1905000"/>
+          </a:xfrm>
+        </p:spPr>
+        <p:txBody>
+          <a:bodyPr>
+            <a:noAutofit/>
+          </a:bodyPr>
+          <a:lstStyle/>
+          <a:p>
+            <a:pPr algn="ctr"/>
+            <a:r>
+              <a:rPr lang="en-US" sz="2000" b="1" dirty="0" err="1">
+                <a:solidFill>
+                  <a:schemeClr val="tx1"/>
+                </a:solidFill>
+                <a:latin typeface="Times New Roman" pitchFamily="18" charset="0"/>
+                <a:cs typeface="Times New Roman" pitchFamily="18" charset="0"/>
+              </a:rPr>
+              <a:t>Arsalan</a:t>
+            </a:r>
+            <a:r>
+              <a:rPr lang="en-US" sz="2000" b="1" dirty="0">
+                <a:solidFill>
+                  <a:schemeClr val="tx1"/>
+                </a:solidFill>
+                <a:latin typeface="Times New Roman" pitchFamily="18" charset="0"/>
+                <a:cs typeface="Times New Roman" pitchFamily="18" charset="0"/>
+              </a:rPr>
+              <a:t> | </a:t>
+            </a:r>
+            <a:r>
+              <a:rPr lang="en-US" sz="2000" b="1" dirty="0" err="1">
+                <a:solidFill>
+                  <a:schemeClr val="tx1"/>
+                </a:solidFill>
+                <a:latin typeface="Times New Roman" pitchFamily="18" charset="0"/>
+                <a:cs typeface="Times New Roman" pitchFamily="18" charset="0"/>
+              </a:rPr>
+              <a:t>Tejaswini</a:t>
+            </a:r>
+            <a:r>
+              <a:rPr lang="en-US" sz="2000" b="1" dirty="0">
+                <a:solidFill>
+                  <a:schemeClr val="tx1"/>
+                </a:solidFill>
+                <a:latin typeface="Times New Roman" pitchFamily="18" charset="0"/>
+                <a:cs typeface="Times New Roman" pitchFamily="18" charset="0"/>
+              </a:rPr>
+              <a:t> | </a:t>
+            </a:r>
+            <a:r>
+              <a:rPr lang="en-US" sz="2000" b="1" dirty="0" err="1">
+                <a:solidFill>
+                  <a:schemeClr val="tx1"/>
+                </a:solidFill>
+                <a:latin typeface="Times New Roman" pitchFamily="18" charset="0"/>
+                <a:cs typeface="Times New Roman" pitchFamily="18" charset="0"/>
+              </a:rPr>
+              <a:t>Amogha</a:t>
+            </a:r>
+            <a:r>
+              <a:rPr lang="en-US" sz="2000" b="1" dirty="0">
+                <a:solidFill>
+                  <a:schemeClr val="tx1"/>
+                </a:solidFill>
+                <a:latin typeface="Times New Roman" pitchFamily="18" charset="0"/>
+                <a:cs typeface="Times New Roman" pitchFamily="18" charset="0"/>
+              </a:rPr>
+              <a:t> | </a:t>
+            </a:r>
+            <a:r>
+              <a:rPr lang="en-US" sz="2000" b="1" dirty="0" err="1">
+                <a:solidFill>
+                  <a:schemeClr val="tx1"/>
+                </a:solidFill>
+                <a:latin typeface="Times New Roman" pitchFamily="18" charset="0"/>
+                <a:cs typeface="Times New Roman" pitchFamily="18" charset="0"/>
+              </a:rPr>
+              <a:t>Annanya</a:t>
+            </a:r>
+            <a:r>
+              <a:rPr lang="en-US" sz="2000" b="1" dirty="0">
+                <a:solidFill>
+                  <a:schemeClr val="tx1"/>
+                </a:solidFill>
+                <a:latin typeface="Times New Roman" pitchFamily="18" charset="0"/>
+                <a:cs typeface="Times New Roman" pitchFamily="18" charset="0"/>
+              </a:rPr>
+              <a:t> | </a:t>
+            </a:r>
+            <a:r>
+              <a:rPr lang="en-US" sz="2000" b="1" dirty="0" err="1">
+                <a:solidFill>
+                  <a:schemeClr val="tx1"/>
+                </a:solidFill>
+                <a:latin typeface="Times New Roman" pitchFamily="18" charset="0"/>
+                <a:cs typeface="Times New Roman" pitchFamily="18" charset="0"/>
+              </a:rPr>
+              <a:t>Viswatej</a:t>
+            </a:r>
+            <a:r>
+              <a:rPr lang="en-US" sz="2000" dirty="0">
+                <a:solidFill>
+                  <a:schemeClr val="tx1"/>
+                </a:solidFill>
+              </a:rPr>
+              <a:t> | </a:t>
+            </a:r>
+            <a:r>
+              <a:rPr lang="en-US" sz="2000" b="1" dirty="0">
+                <a:solidFill>
+                  <a:schemeClr val="tx1"/>
+                </a:solidFill>
+                <a:latin typeface="Times New Roman" pitchFamily="18" charset="0"/>
+                <a:cs typeface="Times New Roman" pitchFamily="18" charset="0"/>
+              </a:rPr>
+              <a:t>Hussain</a:t>
+            </a:r>
+          </a:p>
+          <a:p>
+            <a:pPr algn="ctr"/>
+            <a:endParaRPr lang="en-US" sz="1400" dirty="0" smtClean="0">
+              <a:solidFill>
+                <a:schemeClr val="tx1"/>
+              </a:solidFill>
+            </a:endParaRPr>
+          </a:p>
+          <a:p>
+            <a:pPr algn="ctr"/>
+            <a:r>
+              <a:rPr lang="en-US" sz="1800" dirty="0" smtClean="0">
+                <a:solidFill>
+                  <a:schemeClr val="tx1"/>
+                </a:solidFill>
+              </a:rPr>
+              <a:t>HTF19- </a:t>
+            </a:r>
+            <a:r>
+              <a:rPr lang="en-US" sz="1800" b="1" dirty="0" smtClean="0">
+                <a:solidFill>
+                  <a:schemeClr val="tx1"/>
+                </a:solidFill>
+              </a:rPr>
+              <a:t>App Monsters</a:t>
+            </a:r>
+          </a:p>
+          <a:p>
+            <a:pPr algn="ctr"/>
+            <a:endParaRPr lang="en-US" sz="2000" b="1" dirty="0" smtClean="0">
+              <a:solidFill>
+                <a:schemeClr val="tx1"/>
+              </a:solidFill>
+            </a:endParaRPr>
+          </a:p>
+        </p:txBody>
+      </p:sp>
+      <p:sp>
+        <p:nvSpPr>
+          <p:cNvPr id="4" name="Rounded Rectangle 3"/>
+          <p:cNvSpPr/>
+          <p:nvPr/>
+        </p:nvSpPr>
+        <p:spPr>
+          <a:xfrm>
+            <a:off x="3733800" y="685800"/>
+            <a:ext cx="1752600" cy="1569543"/>
+          </a:xfrm>
+          <a:prstGeom prst="roundRect">
+            <a:avLst/>
+          </a:prstGeom>
+          <a:blipFill dpi="0" rotWithShape="1">
+            <a:blip r:embed="rId3" cstate="print">
+              <a:extLst>
+                <a:ext uri="{28A0092B-C50C-407E-A947-70E740481C1C}">
+                  <a14:useLocalDpi xmlns:a14="http://schemas.microsoft.com/office/drawing/2010/main" val="0"/>
+                </a:ext>
+              </a:extLst>
+            </a:blip>
+            <a:srcRect/>
+            <a:stretch>
+              <a:fillRect/>
+            </a:stretch>
+          </a:blipFill>
+          <a:ln>
+            <a:solidFill>
+              <a:schemeClr val="bg1"/>
+            </a:solidFill>
+          </a:ln>
+        </p:spPr>
+        <p:style>
+          <a:lnRef idx="2">
+            <a:schemeClr val="accent1">
+              <a:shade val="50000"/>
+            </a:schemeClr>
+          </a:lnRef>
+          <a:fillRef idx="1">
+            <a:schemeClr val="accent1"/>
+          </a:fillRef>
+          <a:effectRef idx="0">
+            <a:schemeClr val="accent1"/>
+          </a:effectRef>
+          <a:fontRef idx="minor">
+            <a:schemeClr val="lt1"/>
+          </a:fontRef>
+        </p:style>
+        <p:txBody>
+          <a:bodyPr rtlCol="0" anchor="ctr"/>
+          <a:lstStyle/>
+          <a:p>
+            <a:pPr algn="ctr"/>
+            <a:endParaRPr lang="en-US"/>
+          </a:p>
+        </p:txBody>
+      </p:sp>
+      <p:sp>
+        <p:nvSpPr>
+          <p:cNvPr id="5" name="Title 1"/>
+          <p:cNvSpPr txBox="1">
+            <a:spLocks/>
+          </p:cNvSpPr>
+          <p:nvPr/>
+        </p:nvSpPr>
+        <p:spPr>
+          <a:xfrm>
+            <a:off x="762000" y="4397375"/>
+            <a:ext cx="7848600" cy="1927225"/>
+          </a:xfrm>
+          <a:prstGeom prst="rect">
+            <a:avLst/>
+          </a:prstGeom>
+        </p:spPr>
+        <p:txBody>
+          <a:bodyPr vert="horz" lIns="91440" tIns="45720" rIns="91440" bIns="45720" rtlCol="0" anchor="b">
+            <a:noAutofit/>
+          </a:bodyPr>
+          <a:lstStyle>
+            <a:lvl1pPr algn="l" defTabSz="914400" rtl="0" eaLnBrk="1" latinLnBrk="0" hangingPunct="1">
+              <a:spcBef>
+                <a:spcPct val="0"/>
+              </a:spcBef>
+              <a:buNone/>
+              <a:defRPr sz="5400" kern="1200" cap="all" spc="-100" baseline="0">
+                <a:solidFill>
+                  <a:schemeClr val="tx2"/>
+                </a:solidFill>
+                <a:latin typeface="+mj-lt"/>
+                <a:ea typeface="+mj-ea"/>
+                <a:cs typeface="+mj-cs"/>
+              </a:defRPr>
+            </a:lvl1pPr>
+          </a:lstStyle>
+          <a:p>
+            <a:pPr algn="ctr"/>
+            <a:r>
+              <a:rPr lang="en-US" b="1" dirty="0" smtClean="0">
+                <a:ln>
+                  <a:solidFill>
+                    <a:schemeClr val="bg1"/>
+                  </a:solidFill>
+                </a:ln>
+                <a:solidFill>
+                  <a:schemeClr val="tx1"/>
+                </a:solidFill>
+              </a:rPr>
+              <a:t>Thank You!</a:t>
+            </a:r>
+            <a:endParaRPr lang="en-US" b="1" dirty="0">
+              <a:ln>
+                <a:solidFill>
+                  <a:schemeClr val="bg1"/>
+                </a:solidFill>
+              </a:ln>
+              <a:solidFill>
+                <a:schemeClr val="tx1"/>
+              </a:solidFill>
+            </a:endParaRPr>
+          </a:p>
+        </p:txBody>
+      </p:sp>
+    </p:spTree>
+    <p:extLst>
+      <p:ext uri="{BB962C8B-B14F-4D97-AF65-F5344CB8AC3E}">
+        <p14:creationId xmlns:p14="http://schemas.microsoft.com/office/powerpoint/2010/main" val="433668157"/>
       </p:ext>
     </p:extLst>
   </p:cSld>
